--- a/lecture-materials/Network&ContentDelivery/vpc/ELB_Gateway.pptx
+++ b/lecture-materials/Network&ContentDelivery/vpc/ELB_Gateway.pptx
@@ -5,13 +5,14 @@
     <p:sldMasterId id="2147483648" r:id="rId1"/>
   </p:sldMasterIdLst>
   <p:notesMasterIdLst>
-    <p:notesMasterId r:id="rId6"/>
+    <p:notesMasterId r:id="rId7"/>
   </p:notesMasterIdLst>
   <p:sldIdLst>
     <p:sldId id="350" r:id="rId2"/>
     <p:sldId id="346" r:id="rId3"/>
     <p:sldId id="348" r:id="rId4"/>
     <p:sldId id="349" r:id="rId5"/>
+    <p:sldId id="352" r:id="rId6"/>
   </p:sldIdLst>
   <p:sldSz cx="12192000" cy="6858000"/>
   <p:notesSz cx="6858000" cy="9144000"/>
@@ -200,7 +201,7 @@
           <a:p>
             <a:fld id="{136DCDA0-5102-BA40-982E-AF125615EBCC}" type="datetimeFigureOut">
               <a:rPr lang="en-CH" smtClean="0"/>
-              <a:t>03.01.2024</a:t>
+              <a:t>29.01.2024</a:t>
             </a:fld>
             <a:endParaRPr lang="en-CH"/>
           </a:p>
@@ -780,6 +781,110 @@
 </p:notes>
 </file>
 
+<file path=ppt/notesSlides/notesSlide4.xml><?xml version="1.0" encoding="utf-8"?>
+<p:notes xmlns:a="http://schemas.openxmlformats.org/drawingml/2006/main" xmlns:r="http://schemas.openxmlformats.org/officeDocument/2006/relationships" xmlns:p="http://schemas.openxmlformats.org/presentationml/2006/main" showMasterSp="0" showMasterPhAnim="0">
+  <p:cSld>
+    <p:spTree>
+      <p:nvGrpSpPr>
+        <p:cNvPr id="1" name="Shape 768"/>
+        <p:cNvGrpSpPr/>
+        <p:nvPr/>
+      </p:nvGrpSpPr>
+      <p:grpSpPr>
+        <a:xfrm>
+          <a:off x="0" y="0"/>
+          <a:ext cx="0" cy="0"/>
+          <a:chOff x="0" y="0"/>
+          <a:chExt cx="0" cy="0"/>
+        </a:xfrm>
+      </p:grpSpPr>
+      <p:sp>
+        <p:nvSpPr>
+          <p:cNvPr id="769" name="Google Shape;769;g25f373bdc3b_0_2484:notes"/>
+          <p:cNvSpPr txBox="1">
+            <a:spLocks noGrp="1"/>
+          </p:cNvSpPr>
+          <p:nvPr>
+            <p:ph type="body" idx="1"/>
+          </p:nvPr>
+        </p:nvSpPr>
+        <p:spPr>
+          <a:xfrm>
+            <a:off x="685800" y="4343400"/>
+            <a:ext cx="5486400" cy="4114800"/>
+          </a:xfrm>
+          <a:prstGeom prst="rect">
+            <a:avLst/>
+          </a:prstGeom>
+        </p:spPr>
+        <p:txBody>
+          <a:bodyPr spcFirstLastPara="1" wrap="square" lIns="91425" tIns="91425" rIns="91425" bIns="91425" anchor="t" anchorCtr="0">
+            <a:noAutofit/>
+          </a:bodyPr>
+          <a:lstStyle/>
+          <a:p>
+            <a:pPr marL="0" lvl="0" indent="0" algn="l" rtl="0">
+              <a:spcBef>
+                <a:spcPts val="0"/>
+              </a:spcBef>
+              <a:spcAft>
+                <a:spcPts val="0"/>
+              </a:spcAft>
+              <a:buNone/>
+            </a:pPr>
+            <a:endParaRPr/>
+          </a:p>
+        </p:txBody>
+      </p:sp>
+      <p:sp>
+        <p:nvSpPr>
+          <p:cNvPr id="770" name="Google Shape;770;g25f373bdc3b_0_2484:notes"/>
+          <p:cNvSpPr>
+            <a:spLocks noGrp="1" noRot="1" noChangeAspect="1"/>
+          </p:cNvSpPr>
+          <p:nvPr>
+            <p:ph type="sldImg" idx="2"/>
+          </p:nvPr>
+        </p:nvSpPr>
+        <p:spPr>
+          <a:xfrm>
+            <a:off x="381000" y="685800"/>
+            <a:ext cx="6096000" cy="3429000"/>
+          </a:xfrm>
+          <a:custGeom>
+            <a:avLst/>
+            <a:gdLst/>
+            <a:ahLst/>
+            <a:cxnLst/>
+            <a:rect l="l" t="t" r="r" b="b"/>
+            <a:pathLst>
+              <a:path w="120000" h="120000" extrusionOk="0">
+                <a:moveTo>
+                  <a:pt x="0" y="0"/>
+                </a:moveTo>
+                <a:lnTo>
+                  <a:pt x="120000" y="0"/>
+                </a:lnTo>
+                <a:lnTo>
+                  <a:pt x="120000" y="120000"/>
+                </a:lnTo>
+                <a:lnTo>
+                  <a:pt x="0" y="120000"/>
+                </a:lnTo>
+                <a:close/>
+              </a:path>
+            </a:pathLst>
+          </a:custGeom>
+        </p:spPr>
+      </p:sp>
+    </p:spTree>
+  </p:cSld>
+  <p:clrMapOvr>
+    <a:masterClrMapping/>
+  </p:clrMapOvr>
+</p:notes>
+</file>
+
 <file path=ppt/slideLayouts/slideLayout1.xml><?xml version="1.0" encoding="utf-8"?>
 <p:sldLayout xmlns:a="http://schemas.openxmlformats.org/drawingml/2006/main" xmlns:r="http://schemas.openxmlformats.org/officeDocument/2006/relationships" xmlns:p="http://schemas.openxmlformats.org/presentationml/2006/main" type="title" preserve="1">
   <p:cSld name="Title Slide">
@@ -929,7 +1034,7 @@
           <a:p>
             <a:fld id="{4D3FAD99-4098-6F49-894A-C8F3FE12611F}" type="datetimeFigureOut">
               <a:rPr lang="en-CH" smtClean="0"/>
-              <a:t>03.01.2024</a:t>
+              <a:t>29.01.2024</a:t>
             </a:fld>
             <a:endParaRPr lang="en-CH"/>
           </a:p>
@@ -1129,7 +1234,7 @@
           <a:p>
             <a:fld id="{4D3FAD99-4098-6F49-894A-C8F3FE12611F}" type="datetimeFigureOut">
               <a:rPr lang="en-CH" smtClean="0"/>
-              <a:t>03.01.2024</a:t>
+              <a:t>29.01.2024</a:t>
             </a:fld>
             <a:endParaRPr lang="en-CH"/>
           </a:p>
@@ -1339,7 +1444,7 @@
           <a:p>
             <a:fld id="{4D3FAD99-4098-6F49-894A-C8F3FE12611F}" type="datetimeFigureOut">
               <a:rPr lang="en-CH" smtClean="0"/>
-              <a:t>03.01.2024</a:t>
+              <a:t>29.01.2024</a:t>
             </a:fld>
             <a:endParaRPr lang="en-CH"/>
           </a:p>
@@ -1539,7 +1644,7 @@
           <a:p>
             <a:fld id="{4D3FAD99-4098-6F49-894A-C8F3FE12611F}" type="datetimeFigureOut">
               <a:rPr lang="en-CH" smtClean="0"/>
-              <a:t>03.01.2024</a:t>
+              <a:t>29.01.2024</a:t>
             </a:fld>
             <a:endParaRPr lang="en-CH"/>
           </a:p>
@@ -1815,7 +1920,7 @@
           <a:p>
             <a:fld id="{4D3FAD99-4098-6F49-894A-C8F3FE12611F}" type="datetimeFigureOut">
               <a:rPr lang="en-CH" smtClean="0"/>
-              <a:t>03.01.2024</a:t>
+              <a:t>29.01.2024</a:t>
             </a:fld>
             <a:endParaRPr lang="en-CH"/>
           </a:p>
@@ -2083,7 +2188,7 @@
           <a:p>
             <a:fld id="{4D3FAD99-4098-6F49-894A-C8F3FE12611F}" type="datetimeFigureOut">
               <a:rPr lang="en-CH" smtClean="0"/>
-              <a:t>03.01.2024</a:t>
+              <a:t>29.01.2024</a:t>
             </a:fld>
             <a:endParaRPr lang="en-CH"/>
           </a:p>
@@ -2498,7 +2603,7 @@
           <a:p>
             <a:fld id="{4D3FAD99-4098-6F49-894A-C8F3FE12611F}" type="datetimeFigureOut">
               <a:rPr lang="en-CH" smtClean="0"/>
-              <a:t>03.01.2024</a:t>
+              <a:t>29.01.2024</a:t>
             </a:fld>
             <a:endParaRPr lang="en-CH"/>
           </a:p>
@@ -2640,7 +2745,7 @@
           <a:p>
             <a:fld id="{4D3FAD99-4098-6F49-894A-C8F3FE12611F}" type="datetimeFigureOut">
               <a:rPr lang="en-CH" smtClean="0"/>
-              <a:t>03.01.2024</a:t>
+              <a:t>29.01.2024</a:t>
             </a:fld>
             <a:endParaRPr lang="en-CH"/>
           </a:p>
@@ -2753,7 +2858,7 @@
           <a:p>
             <a:fld id="{4D3FAD99-4098-6F49-894A-C8F3FE12611F}" type="datetimeFigureOut">
               <a:rPr lang="en-CH" smtClean="0"/>
-              <a:t>03.01.2024</a:t>
+              <a:t>29.01.2024</a:t>
             </a:fld>
             <a:endParaRPr lang="en-CH"/>
           </a:p>
@@ -3066,7 +3171,7 @@
           <a:p>
             <a:fld id="{4D3FAD99-4098-6F49-894A-C8F3FE12611F}" type="datetimeFigureOut">
               <a:rPr lang="en-CH" smtClean="0"/>
-              <a:t>03.01.2024</a:t>
+              <a:t>29.01.2024</a:t>
             </a:fld>
             <a:endParaRPr lang="en-CH"/>
           </a:p>
@@ -3355,7 +3460,7 @@
           <a:p>
             <a:fld id="{4D3FAD99-4098-6F49-894A-C8F3FE12611F}" type="datetimeFigureOut">
               <a:rPr lang="en-CH" smtClean="0"/>
-              <a:t>03.01.2024</a:t>
+              <a:t>29.01.2024</a:t>
             </a:fld>
             <a:endParaRPr lang="en-CH"/>
           </a:p>
@@ -3598,7 +3703,7 @@
           <a:p>
             <a:fld id="{4D3FAD99-4098-6F49-894A-C8F3FE12611F}" type="datetimeFigureOut">
               <a:rPr lang="en-CH" smtClean="0"/>
-              <a:t>03.01.2024</a:t>
+              <a:t>29.01.2024</a:t>
             </a:fld>
             <a:endParaRPr lang="en-CH"/>
           </a:p>
@@ -4953,7 +5058,7 @@
               </a:spcBef>
             </a:pPr>
             <a:r>
-              <a:rPr lang="en-US" sz="2000">
+              <a:rPr lang="en-US" sz="2000" dirty="0">
                 <a:highlight>
                   <a:srgbClr val="FFFFFF"/>
                 </a:highlight>
@@ -4969,7 +5074,7 @@
               </a:spcBef>
             </a:pPr>
             <a:r>
-              <a:rPr lang="en-US" sz="2000" b="1" u="sng">
+              <a:rPr lang="en-US" sz="2000" b="1" u="sng" dirty="0">
                 <a:highlight>
                   <a:srgbClr val="FFFFFF"/>
                 </a:highlight>
@@ -4978,7 +5083,7 @@
               <a:t>deploy, scale, and manage virtual appliances</a:t>
             </a:r>
             <a:r>
-              <a:rPr lang="en-US" sz="2000">
+              <a:rPr lang="en-US" sz="2000" dirty="0">
                 <a:highlight>
                   <a:srgbClr val="FFFFFF"/>
                 </a:highlight>
@@ -4994,7 +5099,7 @@
               </a:spcBef>
             </a:pPr>
             <a:r>
-              <a:rPr lang="en-US" sz="2000">
+              <a:rPr lang="en-US" sz="2000" dirty="0">
                 <a:highlight>
                   <a:srgbClr val="FFFFFF"/>
                 </a:highlight>
@@ -5014,7 +5119,7 @@
               <a:buSzPts val="1200"/>
             </a:pPr>
             <a:r>
-              <a:rPr lang="en-US" sz="2000">
+              <a:rPr lang="en-US" sz="2000" dirty="0">
                 <a:highlight>
                   <a:srgbClr val="FFFFFF"/>
                 </a:highlight>
@@ -5034,7 +5139,7 @@
               <a:buSzPts val="1200"/>
             </a:pPr>
             <a:r>
-              <a:rPr lang="en-US" sz="2000">
+              <a:rPr lang="en-US" sz="2000" dirty="0">
                 <a:highlight>
                   <a:srgbClr val="FFFFFF"/>
                 </a:highlight>
@@ -5054,7 +5159,7 @@
               <a:buSzPts val="1200"/>
             </a:pPr>
             <a:r>
-              <a:rPr lang="en-US" sz="2000">
+              <a:rPr lang="en-US" sz="2000" dirty="0">
                 <a:highlight>
                   <a:srgbClr val="FFFFFF"/>
                 </a:highlight>
@@ -5074,7 +5179,7 @@
               <a:buSzPts val="1200"/>
             </a:pPr>
             <a:r>
-              <a:rPr lang="en-US" sz="2000">
+              <a:rPr lang="en-US" sz="2000" dirty="0">
                 <a:highlight>
                   <a:srgbClr val="FFFFFF"/>
                 </a:highlight>
@@ -5090,7 +5195,7 @@
               </a:spcBef>
             </a:pPr>
             <a:r>
-              <a:rPr lang="en-US" sz="2000">
+              <a:rPr lang="en-US" sz="2000" dirty="0">
                 <a:highlight>
                   <a:srgbClr val="FFFFFF"/>
                 </a:highlight>
@@ -5106,10 +5211,18 @@
               </a:spcBef>
             </a:pPr>
             <a:r>
-              <a:rPr lang="en-US" sz="2000"/>
-              <a:t>A typical use case features customer AWS deployments, with one or more VPCs, with a requirement to protect and inspect network traffic with Check Point's CloudGuard Network Security Gateways.</a:t>
-            </a:r>
-            <a:endParaRPr lang="en-US" sz="2000">
+              <a:rPr lang="en-US" sz="2000" dirty="0"/>
+              <a:t>A typical use case features customer AWS deployments, with one or more VPCs, with a requirement to protect and inspect network traffic with Check Point's </a:t>
+            </a:r>
+            <a:r>
+              <a:rPr lang="en-US" sz="2000" dirty="0" err="1"/>
+              <a:t>CloudGuard</a:t>
+            </a:r>
+            <a:r>
+              <a:rPr lang="en-US" sz="2000" dirty="0"/>
+              <a:t> Network Security Gateways.</a:t>
+            </a:r>
+            <a:endParaRPr lang="en-US" sz="2000" dirty="0">
               <a:highlight>
                 <a:srgbClr val="FFFFFF"/>
               </a:highlight>
@@ -5125,7 +5238,7 @@
                 <a:spcPts val="1600"/>
               </a:spcAft>
             </a:pPr>
-            <a:endParaRPr lang="en-US" sz="2000">
+            <a:endParaRPr lang="en-US" sz="2000" dirty="0">
               <a:sym typeface="Arial"/>
             </a:endParaRPr>
           </a:p>
@@ -6546,6 +6659,248 @@
           <a:xfrm>
             <a:off x="990600" y="1105856"/>
             <a:ext cx="10134600" cy="4585907"/>
+          </a:xfrm>
+          <a:prstGeom prst="rect">
+            <a:avLst/>
+          </a:prstGeom>
+          <a:noFill/>
+        </p:spPr>
+      </p:pic>
+    </p:spTree>
+  </p:cSld>
+  <p:clrMapOvr>
+    <a:masterClrMapping/>
+  </p:clrMapOvr>
+</p:sld>
+</file>
+
+<file path=ppt/slides/slide5.xml><?xml version="1.0" encoding="utf-8"?>
+<p:sld xmlns:a="http://schemas.openxmlformats.org/drawingml/2006/main" xmlns:r="http://schemas.openxmlformats.org/officeDocument/2006/relationships" xmlns:p="http://schemas.openxmlformats.org/presentationml/2006/main">
+  <p:cSld>
+    <p:spTree>
+      <p:nvGrpSpPr>
+        <p:cNvPr id="1" name="Shape 771"/>
+        <p:cNvGrpSpPr/>
+        <p:nvPr/>
+      </p:nvGrpSpPr>
+      <p:grpSpPr>
+        <a:xfrm>
+          <a:off x="0" y="0"/>
+          <a:ext cx="0" cy="0"/>
+          <a:chOff x="0" y="0"/>
+          <a:chExt cx="0" cy="0"/>
+        </a:xfrm>
+      </p:grpSpPr>
+      <p:sp>
+        <p:nvSpPr>
+          <p:cNvPr id="772" name="Google Shape;772;p124"/>
+          <p:cNvSpPr txBox="1">
+            <a:spLocks noGrp="1"/>
+          </p:cNvSpPr>
+          <p:nvPr>
+            <p:ph type="title"/>
+          </p:nvPr>
+        </p:nvSpPr>
+        <p:spPr>
+          <a:xfrm>
+            <a:off x="838200" y="609600"/>
+            <a:ext cx="3739341" cy="1330839"/>
+          </a:xfrm>
+          <a:prstGeom prst="rect">
+            <a:avLst/>
+          </a:prstGeom>
+        </p:spPr>
+        <p:txBody>
+          <a:bodyPr spcFirstLastPara="1" vert="horz" lIns="91440" tIns="45720" rIns="91440" bIns="45720" rtlCol="0" anchor="ctr" anchorCtr="0">
+            <a:noAutofit/>
+          </a:bodyPr>
+          <a:lstStyle/>
+          <a:p>
+            <a:pPr>
+              <a:buClr>
+                <a:schemeClr val="dk1"/>
+              </a:buClr>
+              <a:buSzPts val="2400"/>
+            </a:pPr>
+            <a:r>
+              <a:rPr lang="en-US" sz="3200" kern="1200" dirty="0">
+                <a:solidFill>
+                  <a:schemeClr val="tx1"/>
+                </a:solidFill>
+                <a:latin typeface="+mj-lt"/>
+                <a:ea typeface="+mj-ea"/>
+                <a:cs typeface="+mj-cs"/>
+              </a:rPr>
+              <a:t>VPC endpoint services</a:t>
+            </a:r>
+            <a:br>
+              <a:rPr lang="en-US" sz="3200" kern="1200" dirty="0">
+                <a:solidFill>
+                  <a:schemeClr val="tx1"/>
+                </a:solidFill>
+                <a:latin typeface="+mj-lt"/>
+                <a:ea typeface="+mj-ea"/>
+                <a:cs typeface="+mj-cs"/>
+              </a:rPr>
+            </a:br>
+            <a:r>
+              <a:rPr lang="en-US" sz="3200" kern="1200" dirty="0">
+                <a:solidFill>
+                  <a:schemeClr val="tx1"/>
+                </a:solidFill>
+                <a:latin typeface="+mj-lt"/>
+                <a:ea typeface="+mj-ea"/>
+                <a:cs typeface="+mj-cs"/>
+              </a:rPr>
+              <a:t>Gateway ELB</a:t>
+            </a:r>
+          </a:p>
+        </p:txBody>
+      </p:sp>
+      <p:sp>
+        <p:nvSpPr>
+          <p:cNvPr id="773" name="Google Shape;773;p124"/>
+          <p:cNvSpPr txBox="1">
+            <a:spLocks noGrp="1"/>
+          </p:cNvSpPr>
+          <p:nvPr>
+            <p:ph sz="half" idx="1"/>
+          </p:nvPr>
+        </p:nvSpPr>
+        <p:spPr>
+          <a:xfrm>
+            <a:off x="838200" y="2200157"/>
+            <a:ext cx="3576354" cy="4249088"/>
+          </a:xfrm>
+          <a:prstGeom prst="rect">
+            <a:avLst/>
+          </a:prstGeom>
+        </p:spPr>
+        <p:txBody>
+          <a:bodyPr spcFirstLastPara="1" vert="horz" lIns="91440" tIns="45720" rIns="91440" bIns="45720" rtlCol="0" anchorCtr="0">
+            <a:normAutofit/>
+          </a:bodyPr>
+          <a:lstStyle/>
+          <a:p>
+            <a:pPr marL="0">
+              <a:spcBef>
+                <a:spcPts val="0"/>
+              </a:spcBef>
+              <a:buClr>
+                <a:schemeClr val="dk1"/>
+              </a:buClr>
+              <a:buSzPts val="1100"/>
+            </a:pPr>
+            <a:r>
+              <a:rPr lang="en-US" sz="1400" dirty="0">
+                <a:sym typeface="Arial"/>
+              </a:rPr>
+              <a:t>The following diagram shows how application servers access security appliances through AWS </a:t>
+            </a:r>
+            <a:r>
+              <a:rPr lang="en-US" sz="1400" dirty="0" err="1">
+                <a:sym typeface="Arial"/>
+              </a:rPr>
+              <a:t>PrivateLink</a:t>
+            </a:r>
+            <a:r>
+              <a:rPr lang="en-US" sz="1400" dirty="0">
+                <a:sym typeface="Arial"/>
+              </a:rPr>
+              <a:t>. </a:t>
+            </a:r>
+          </a:p>
+          <a:p>
+            <a:pPr marL="0">
+              <a:spcBef>
+                <a:spcPts val="1600"/>
+              </a:spcBef>
+              <a:buClr>
+                <a:schemeClr val="dk1"/>
+              </a:buClr>
+              <a:buSzPts val="1100"/>
+            </a:pPr>
+            <a:r>
+              <a:rPr lang="en-US" sz="1400" dirty="0">
+                <a:sym typeface="Arial"/>
+              </a:rPr>
+              <a:t>The application servers run in a subnet of the service consumer VPC. </a:t>
+            </a:r>
+          </a:p>
+          <a:p>
+            <a:pPr marL="0">
+              <a:spcBef>
+                <a:spcPts val="1600"/>
+              </a:spcBef>
+              <a:buClr>
+                <a:schemeClr val="dk1"/>
+              </a:buClr>
+              <a:buSzPts val="1100"/>
+            </a:pPr>
+            <a:r>
+              <a:rPr lang="en-US" sz="1400" dirty="0">
+                <a:sym typeface="Arial"/>
+              </a:rPr>
+              <a:t>You create a Gateway Load Balancer endpoint in another subnet of the same VPC. </a:t>
+            </a:r>
+          </a:p>
+          <a:p>
+            <a:pPr marL="0">
+              <a:spcBef>
+                <a:spcPts val="1600"/>
+              </a:spcBef>
+              <a:buClr>
+                <a:schemeClr val="dk1"/>
+              </a:buClr>
+              <a:buSzPts val="1100"/>
+            </a:pPr>
+            <a:r>
+              <a:rPr lang="en-US" sz="1400" dirty="0">
+                <a:sym typeface="Arial"/>
+              </a:rPr>
+              <a:t>All traffic entering the service consumer VPC through the internet gateway is first routed to the Gateway Load Balancer endpoint for inspection and then routed to the destination subnet. </a:t>
+            </a:r>
+          </a:p>
+          <a:p>
+            <a:pPr marL="0">
+              <a:spcBef>
+                <a:spcPts val="1600"/>
+              </a:spcBef>
+              <a:spcAft>
+                <a:spcPts val="1600"/>
+              </a:spcAft>
+              <a:buClr>
+                <a:schemeClr val="dk1"/>
+              </a:buClr>
+              <a:buSzPts val="1100"/>
+            </a:pPr>
+            <a:r>
+              <a:rPr lang="en-US" sz="1400" dirty="0">
+                <a:sym typeface="Arial"/>
+              </a:rPr>
+              <a:t>Similarly, all traffic leaving the application servers is routed to the Gateway Load Balancer endpoint for inspection before it is routed back through the internet gateway.</a:t>
+            </a:r>
+          </a:p>
+        </p:txBody>
+      </p:sp>
+      <p:pic>
+        <p:nvPicPr>
+          <p:cNvPr id="774" name="Google Shape;774;p124"/>
+          <p:cNvPicPr preferRelativeResize="0">
+            <a:picLocks noGrp="1"/>
+          </p:cNvPicPr>
+          <p:nvPr>
+            <p:ph sz="half" idx="2"/>
+          </p:nvPr>
+        </p:nvPicPr>
+        <p:blipFill rotWithShape="1">
+          <a:blip r:embed="rId3"/>
+          <a:stretch/>
+        </p:blipFill>
+        <p:spPr>
+          <a:xfrm>
+            <a:off x="5445457" y="1825146"/>
+            <a:ext cx="6155141" cy="3231449"/>
           </a:xfrm>
           <a:prstGeom prst="rect">
             <a:avLst/>
